--- a/_static/2016-lecture2-sequencing.pptx
+++ b/_static/2016-lecture2-sequencing.pptx
@@ -7011,6 +7011,21 @@
             </a:r>
           </a:p>
           <a:p>
+            <a:pPr lvl="1"/>
+            <a:r>
+              <a:rPr lang="en-US" dirty="0" smtClean="0"/>
+              <a:t>Note: Nick Loman and Ebola, </a:t>
+            </a:r>
+            <a:r>
+              <a:rPr lang="en-US" dirty="0" err="1" smtClean="0"/>
+              <a:t>Zika</a:t>
+            </a:r>
+            <a:r>
+              <a:rPr lang="en-US" dirty="0" smtClean="0"/>
+              <a:t>..</a:t>
+            </a:r>
+          </a:p>
+          <a:p>
             <a:r>
               <a:rPr lang="en-US" dirty="0" smtClean="0"/>
               <a:t>Expensive</a:t>
@@ -7111,7 +7126,7 @@
         </p:blipFill>
         <p:spPr>
           <a:xfrm>
-            <a:off x="890493" y="1263977"/>
+            <a:off x="1769267" y="1263977"/>
             <a:ext cx="5758329" cy="5032235"/>
           </a:xfrm>
           <a:prstGeom prst="rect">
@@ -7326,7 +7341,7 @@
         </p:nvSpPr>
         <p:spPr>
           <a:xfrm>
-            <a:off x="1195136" y="1657684"/>
+            <a:off x="1195136" y="1788309"/>
             <a:ext cx="7120021" cy="461665"/>
           </a:xfrm>
           <a:prstGeom prst="rect">
@@ -8718,7 +8733,7 @@
         </p:nvSpPr>
         <p:spPr>
           <a:xfrm>
-            <a:off x="807522" y="1777616"/>
+            <a:off x="866899" y="2371382"/>
             <a:ext cx="7671460" cy="3444997"/>
           </a:xfrm>
         </p:spPr>
@@ -8736,8 +8751,9 @@
           <a:p>
             <a:r>
               <a:rPr lang="en-US" sz="2800" dirty="0" smtClean="0"/>
-              <a:t>The magic of polonies, and how Illumina sequencing works</a:t>
-            </a:r>
+              <a:t>Types of sequencing</a:t>
+            </a:r>
+            <a:endParaRPr lang="en-US" sz="2800" dirty="0" smtClean="0"/>
           </a:p>
           <a:p>
             <a:r>
@@ -8754,35 +8770,12 @@
           <a:p>
             <a:r>
               <a:rPr lang="en-US" sz="2800" dirty="0" smtClean="0"/>
-              <a:t>Coverage bias</a:t>
-            </a:r>
-          </a:p>
-          <a:p>
+              <a:t>Coverage </a:t>
+            </a:r>
             <a:r>
               <a:rPr lang="en-US" sz="2800" dirty="0" smtClean="0"/>
-              <a:t>Long reads: </a:t>
-            </a:r>
-            <a:r>
-              <a:rPr lang="en-US" sz="2800" dirty="0" err="1" smtClean="0"/>
-              <a:t>PacBio</a:t>
-            </a:r>
-            <a:r>
-              <a:rPr lang="en-US" sz="2800" dirty="0" smtClean="0"/>
-              <a:t> and </a:t>
-            </a:r>
-            <a:r>
-              <a:rPr lang="en-US" sz="2800" dirty="0" err="1" smtClean="0"/>
-              <a:t>Nanopore</a:t>
-            </a:r>
-            <a:r>
-              <a:rPr lang="en-US" sz="2800" dirty="0" smtClean="0"/>
-              <a:t> sequencing</a:t>
-            </a:r>
-          </a:p>
-          <a:p>
-            <a:pPr marL="114300" indent="0">
-              <a:buNone/>
-            </a:pPr>
+              <a:t>bias</a:t>
+            </a:r>
             <a:endParaRPr lang="en-US" sz="2800" dirty="0" smtClean="0"/>
           </a:p>
           <a:p>
